--- a/apim-subscription-access-control/images/figures.pptx
+++ b/apim-subscription-access-control/images/figures.pptx
@@ -8,6 +8,9 @@
     <p:sldId id="256" r:id="rId2"/>
     <p:sldId id="257" r:id="rId3"/>
     <p:sldId id="258" r:id="rId4"/>
+    <p:sldId id="260" r:id="rId5"/>
+    <p:sldId id="259" r:id="rId6"/>
+    <p:sldId id="261" r:id="rId7"/>
   </p:sldIdLst>
   <p:sldSz cx="12192000" cy="6858000"/>
   <p:notesSz cx="6858000" cy="9144000"/>
@@ -8213,6 +8216,245 @@
 </p:sld>
 </file>
 
+<file path=ppt/slides/slide4.xml><?xml version="1.0" encoding="utf-8"?>
+<p:sld xmlns:a="http://schemas.openxmlformats.org/drawingml/2006/main" xmlns:r="http://schemas.openxmlformats.org/officeDocument/2006/relationships" xmlns:p="http://schemas.openxmlformats.org/presentationml/2006/main">
+  <p:cSld>
+    <p:spTree>
+      <p:nvGrpSpPr>
+        <p:cNvPr id="1" name=""/>
+        <p:cNvGrpSpPr/>
+        <p:nvPr/>
+      </p:nvGrpSpPr>
+      <p:grpSpPr>
+        <a:xfrm>
+          <a:off x="0" y="0"/>
+          <a:ext cx="0" cy="0"/>
+          <a:chOff x="0" y="0"/>
+          <a:chExt cx="0" cy="0"/>
+        </a:xfrm>
+      </p:grpSpPr>
+      <p:pic>
+        <p:nvPicPr>
+          <p:cNvPr id="3" name="図 2">
+            <a:extLst>
+              <a:ext uri="{FF2B5EF4-FFF2-40B4-BE49-F238E27FC236}">
+                <a16:creationId xmlns:a16="http://schemas.microsoft.com/office/drawing/2014/main" id="{1052F716-CCC1-557F-A741-A9422D734F8B}"/>
+              </a:ext>
+            </a:extLst>
+          </p:cNvPr>
+          <p:cNvPicPr>
+            <a:picLocks noChangeAspect="1"/>
+          </p:cNvPicPr>
+          <p:nvPr/>
+        </p:nvPicPr>
+        <p:blipFill>
+          <a:blip r:embed="rId2"/>
+          <a:stretch>
+            <a:fillRect/>
+          </a:stretch>
+        </p:blipFill>
+        <p:spPr>
+          <a:xfrm>
+            <a:off x="654590" y="495926"/>
+            <a:ext cx="7065661" cy="4258277"/>
+          </a:xfrm>
+          <a:prstGeom prst="rect">
+            <a:avLst/>
+          </a:prstGeom>
+        </p:spPr>
+      </p:pic>
+    </p:spTree>
+    <p:extLst>
+      <p:ext uri="{BB962C8B-B14F-4D97-AF65-F5344CB8AC3E}">
+        <p14:creationId xmlns:p14="http://schemas.microsoft.com/office/powerpoint/2010/main" val="3551252278"/>
+      </p:ext>
+    </p:extLst>
+  </p:cSld>
+  <p:clrMapOvr>
+    <a:masterClrMapping/>
+  </p:clrMapOvr>
+</p:sld>
+</file>
+
+<file path=ppt/slides/slide5.xml><?xml version="1.0" encoding="utf-8"?>
+<p:sld xmlns:a="http://schemas.openxmlformats.org/drawingml/2006/main" xmlns:r="http://schemas.openxmlformats.org/officeDocument/2006/relationships" xmlns:p="http://schemas.openxmlformats.org/presentationml/2006/main">
+  <p:cSld>
+    <p:spTree>
+      <p:nvGrpSpPr>
+        <p:cNvPr id="1" name=""/>
+        <p:cNvGrpSpPr/>
+        <p:nvPr/>
+      </p:nvGrpSpPr>
+      <p:grpSpPr>
+        <a:xfrm>
+          <a:off x="0" y="0"/>
+          <a:ext cx="0" cy="0"/>
+          <a:chOff x="0" y="0"/>
+          <a:chExt cx="0" cy="0"/>
+        </a:xfrm>
+      </p:grpSpPr>
+      <p:pic>
+        <p:nvPicPr>
+          <p:cNvPr id="3" name="図 2">
+            <a:extLst>
+              <a:ext uri="{FF2B5EF4-FFF2-40B4-BE49-F238E27FC236}">
+                <a16:creationId xmlns:a16="http://schemas.microsoft.com/office/drawing/2014/main" id="{8437DE76-16D3-035B-9297-21DC7DEB929F}"/>
+              </a:ext>
+            </a:extLst>
+          </p:cNvPr>
+          <p:cNvPicPr>
+            <a:picLocks noChangeAspect="1"/>
+          </p:cNvPicPr>
+          <p:nvPr/>
+        </p:nvPicPr>
+        <p:blipFill>
+          <a:blip r:embed="rId2"/>
+          <a:stretch>
+            <a:fillRect/>
+          </a:stretch>
+        </p:blipFill>
+        <p:spPr>
+          <a:xfrm>
+            <a:off x="64556" y="964331"/>
+            <a:ext cx="9160030" cy="3927850"/>
+          </a:xfrm>
+          <a:prstGeom prst="rect">
+            <a:avLst/>
+          </a:prstGeom>
+          <a:ln>
+            <a:noFill/>
+          </a:ln>
+          <a:effectLst>
+            <a:outerShdw blurRad="292100" dist="139700" dir="2700000" algn="tl" rotWithShape="0">
+              <a:srgbClr val="333333">
+                <a:alpha val="65000"/>
+              </a:srgbClr>
+            </a:outerShdw>
+          </a:effectLst>
+        </p:spPr>
+      </p:pic>
+      <p:pic>
+        <p:nvPicPr>
+          <p:cNvPr id="5" name="図 4">
+            <a:extLst>
+              <a:ext uri="{FF2B5EF4-FFF2-40B4-BE49-F238E27FC236}">
+                <a16:creationId xmlns:a16="http://schemas.microsoft.com/office/drawing/2014/main" id="{3495B85F-0D1F-DDE3-EFA8-9D1A4ED553C9}"/>
+              </a:ext>
+            </a:extLst>
+          </p:cNvPr>
+          <p:cNvPicPr>
+            <a:picLocks noChangeAspect="1"/>
+          </p:cNvPicPr>
+          <p:nvPr/>
+        </p:nvPicPr>
+        <p:blipFill>
+          <a:blip r:embed="rId3"/>
+          <a:srcRect l="1936" t="2222"/>
+          <a:stretch/>
+        </p:blipFill>
+        <p:spPr>
+          <a:xfrm>
+            <a:off x="7276851" y="1377988"/>
+            <a:ext cx="3399835" cy="3927850"/>
+          </a:xfrm>
+          <a:prstGeom prst="rect">
+            <a:avLst/>
+          </a:prstGeom>
+          <a:ln>
+            <a:noFill/>
+          </a:ln>
+          <a:effectLst>
+            <a:outerShdw blurRad="292100" dist="139700" dir="2700000" algn="tl" rotWithShape="0">
+              <a:srgbClr val="333333">
+                <a:alpha val="65000"/>
+              </a:srgbClr>
+            </a:outerShdw>
+          </a:effectLst>
+        </p:spPr>
+      </p:pic>
+    </p:spTree>
+    <p:extLst>
+      <p:ext uri="{BB962C8B-B14F-4D97-AF65-F5344CB8AC3E}">
+        <p14:creationId xmlns:p14="http://schemas.microsoft.com/office/powerpoint/2010/main" val="3905103958"/>
+      </p:ext>
+    </p:extLst>
+  </p:cSld>
+  <p:clrMapOvr>
+    <a:masterClrMapping/>
+  </p:clrMapOvr>
+</p:sld>
+</file>
+
+<file path=ppt/slides/slide6.xml><?xml version="1.0" encoding="utf-8"?>
+<p:sld xmlns:a="http://schemas.openxmlformats.org/drawingml/2006/main" xmlns:r="http://schemas.openxmlformats.org/officeDocument/2006/relationships" xmlns:p="http://schemas.openxmlformats.org/presentationml/2006/main">
+  <p:cSld>
+    <p:spTree>
+      <p:nvGrpSpPr>
+        <p:cNvPr id="1" name=""/>
+        <p:cNvGrpSpPr/>
+        <p:nvPr/>
+      </p:nvGrpSpPr>
+      <p:grpSpPr>
+        <a:xfrm>
+          <a:off x="0" y="0"/>
+          <a:ext cx="0" cy="0"/>
+          <a:chOff x="0" y="0"/>
+          <a:chExt cx="0" cy="0"/>
+        </a:xfrm>
+      </p:grpSpPr>
+      <p:pic>
+        <p:nvPicPr>
+          <p:cNvPr id="5" name="図 4">
+            <a:extLst>
+              <a:ext uri="{FF2B5EF4-FFF2-40B4-BE49-F238E27FC236}">
+                <a16:creationId xmlns:a16="http://schemas.microsoft.com/office/drawing/2014/main" id="{C0A314E8-35B3-90ED-0222-921F7FF24985}"/>
+              </a:ext>
+            </a:extLst>
+          </p:cNvPr>
+          <p:cNvPicPr>
+            <a:picLocks noChangeAspect="1"/>
+          </p:cNvPicPr>
+          <p:nvPr/>
+        </p:nvPicPr>
+        <p:blipFill>
+          <a:blip r:embed="rId2"/>
+          <a:stretch>
+            <a:fillRect/>
+          </a:stretch>
+        </p:blipFill>
+        <p:spPr>
+          <a:xfrm>
+            <a:off x="0" y="1877568"/>
+            <a:ext cx="12192000" cy="3102864"/>
+          </a:xfrm>
+          <a:prstGeom prst="rect">
+            <a:avLst/>
+          </a:prstGeom>
+          <a:ln>
+            <a:noFill/>
+          </a:ln>
+          <a:effectLst>
+            <a:outerShdw blurRad="292100" dist="139700" dir="2700000" algn="tl" rotWithShape="0">
+              <a:srgbClr val="333333">
+                <a:alpha val="65000"/>
+              </a:srgbClr>
+            </a:outerShdw>
+          </a:effectLst>
+        </p:spPr>
+      </p:pic>
+    </p:spTree>
+    <p:extLst>
+      <p:ext uri="{BB962C8B-B14F-4D97-AF65-F5344CB8AC3E}">
+        <p14:creationId xmlns:p14="http://schemas.microsoft.com/office/powerpoint/2010/main" val="3009589890"/>
+      </p:ext>
+    </p:extLst>
+  </p:cSld>
+  <p:clrMapOvr>
+    <a:masterClrMapping/>
+  </p:clrMapOvr>
+</p:sld>
+</file>
+
 <file path=ppt/theme/theme1.xml><?xml version="1.0" encoding="utf-8"?>
 <a:theme xmlns:a="http://schemas.openxmlformats.org/drawingml/2006/main" name="Office テーマ">
   <a:themeElements>
